--- a/Presentation/p4_slides_roop.pptx
+++ b/Presentation/p4_slides_roop.pptx
@@ -111,6 +111,11 @@
       </a:defRPr>
     </a:lvl9pPr>
   </p:defaultTextStyle>
+  <p:extLst>
+    <p:ext uri="{EFAFB233-063F-42B5-8137-9DF3F51BA10A}">
+      <p15:sldGuideLst xmlns:p15="http://schemas.microsoft.com/office/powerpoint/2012/main"/>
+    </p:ext>
+  </p:extLst>
 </p:presentation>
 </file>
 
@@ -11285,7 +11290,7 @@
           <a:p>
             <a:fld id="{975EF151-4D96-4485-A3D5-56108F2A3DA6}" type="datetimeFigureOut">
               <a:rPr lang="en-US" smtClean="0"/>
-              <a:t>9/13/2024</a:t>
+              <a:t>9/16/2024</a:t>
             </a:fld>
             <a:endParaRPr lang="en-US"/>
           </a:p>
@@ -11483,7 +11488,7 @@
           <a:p>
             <a:fld id="{975EF151-4D96-4485-A3D5-56108F2A3DA6}" type="datetimeFigureOut">
               <a:rPr lang="en-US" smtClean="0"/>
-              <a:t>9/13/2024</a:t>
+              <a:t>9/16/2024</a:t>
             </a:fld>
             <a:endParaRPr lang="en-US"/>
           </a:p>
@@ -11691,7 +11696,7 @@
           <a:p>
             <a:fld id="{975EF151-4D96-4485-A3D5-56108F2A3DA6}" type="datetimeFigureOut">
               <a:rPr lang="en-US" smtClean="0"/>
-              <a:t>9/13/2024</a:t>
+              <a:t>9/16/2024</a:t>
             </a:fld>
             <a:endParaRPr lang="en-US"/>
           </a:p>
@@ -11889,7 +11894,7 @@
           <a:p>
             <a:fld id="{975EF151-4D96-4485-A3D5-56108F2A3DA6}" type="datetimeFigureOut">
               <a:rPr lang="en-US" smtClean="0"/>
-              <a:t>9/13/2024</a:t>
+              <a:t>9/16/2024</a:t>
             </a:fld>
             <a:endParaRPr lang="en-US"/>
           </a:p>
@@ -12164,7 +12169,7 @@
           <a:p>
             <a:fld id="{975EF151-4D96-4485-A3D5-56108F2A3DA6}" type="datetimeFigureOut">
               <a:rPr lang="en-US" smtClean="0"/>
-              <a:t>9/13/2024</a:t>
+              <a:t>9/16/2024</a:t>
             </a:fld>
             <a:endParaRPr lang="en-US"/>
           </a:p>
@@ -12429,7 +12434,7 @@
           <a:p>
             <a:fld id="{975EF151-4D96-4485-A3D5-56108F2A3DA6}" type="datetimeFigureOut">
               <a:rPr lang="en-US" smtClean="0"/>
-              <a:t>9/13/2024</a:t>
+              <a:t>9/16/2024</a:t>
             </a:fld>
             <a:endParaRPr lang="en-US"/>
           </a:p>
@@ -12841,7 +12846,7 @@
           <a:p>
             <a:fld id="{975EF151-4D96-4485-A3D5-56108F2A3DA6}" type="datetimeFigureOut">
               <a:rPr lang="en-US" smtClean="0"/>
-              <a:t>9/13/2024</a:t>
+              <a:t>9/16/2024</a:t>
             </a:fld>
             <a:endParaRPr lang="en-US"/>
           </a:p>
@@ -12982,7 +12987,7 @@
           <a:p>
             <a:fld id="{975EF151-4D96-4485-A3D5-56108F2A3DA6}" type="datetimeFigureOut">
               <a:rPr lang="en-US" smtClean="0"/>
-              <a:t>9/13/2024</a:t>
+              <a:t>9/16/2024</a:t>
             </a:fld>
             <a:endParaRPr lang="en-US"/>
           </a:p>
@@ -13095,7 +13100,7 @@
           <a:p>
             <a:fld id="{975EF151-4D96-4485-A3D5-56108F2A3DA6}" type="datetimeFigureOut">
               <a:rPr lang="en-US" smtClean="0"/>
-              <a:t>9/13/2024</a:t>
+              <a:t>9/16/2024</a:t>
             </a:fld>
             <a:endParaRPr lang="en-US"/>
           </a:p>
@@ -13406,7 +13411,7 @@
           <a:p>
             <a:fld id="{975EF151-4D96-4485-A3D5-56108F2A3DA6}" type="datetimeFigureOut">
               <a:rPr lang="en-US" smtClean="0"/>
-              <a:t>9/13/2024</a:t>
+              <a:t>9/16/2024</a:t>
             </a:fld>
             <a:endParaRPr lang="en-US"/>
           </a:p>
@@ -13694,7 +13699,7 @@
           <a:p>
             <a:fld id="{975EF151-4D96-4485-A3D5-56108F2A3DA6}" type="datetimeFigureOut">
               <a:rPr lang="en-US" smtClean="0"/>
-              <a:t>9/13/2024</a:t>
+              <a:t>9/16/2024</a:t>
             </a:fld>
             <a:endParaRPr lang="en-US"/>
           </a:p>
@@ -13935,7 +13940,7 @@
           <a:p>
             <a:fld id="{975EF151-4D96-4485-A3D5-56108F2A3DA6}" type="datetimeFigureOut">
               <a:rPr lang="en-US" smtClean="0"/>
-              <a:t>9/13/2024</a:t>
+              <a:t>9/16/2024</a:t>
             </a:fld>
             <a:endParaRPr lang="en-US"/>
           </a:p>
@@ -15508,6 +15513,9 @@
   <p:clrMapOvr>
     <a:masterClrMapping/>
   </p:clrMapOvr>
+  <p:transition spd="slow">
+    <p:wipe/>
+  </p:transition>
 </p:sld>
 </file>
 
@@ -15832,6 +15840,9 @@
   <p:clrMapOvr>
     <a:masterClrMapping/>
   </p:clrMapOvr>
+  <p:transition spd="slow">
+    <p:wipe/>
+  </p:transition>
 </p:sld>
 </file>
 
@@ -16222,6 +16233,9 @@
   <p:clrMapOvr>
     <a:masterClrMapping/>
   </p:clrMapOvr>
+  <p:transition spd="slow">
+    <p:wipe/>
+  </p:transition>
 </p:sld>
 </file>
 
